--- a/exec/MODAC_포팅매뉴얼.pptx
+++ b/exec/MODAC_포팅매뉴얼.pptx
@@ -5,7 +5,7 @@
     <p:sldMasterId id="2147483659" r:id="rId1"/>
   </p:sldMasterIdLst>
   <p:notesMasterIdLst>
-    <p:notesMasterId r:id="rId13"/>
+    <p:notesMasterId r:id="rId15"/>
   </p:notesMasterIdLst>
   <p:sldIdLst>
     <p:sldId id="256" r:id="rId2"/>
@@ -19,6 +19,8 @@
     <p:sldId id="264" r:id="rId10"/>
     <p:sldId id="265" r:id="rId11"/>
     <p:sldId id="266" r:id="rId12"/>
+    <p:sldId id="269" r:id="rId13"/>
+    <p:sldId id="270" r:id="rId14"/>
   </p:sldIdLst>
   <p:sldSz cx="9144000" cy="5143500" type="screen16x9"/>
   <p:notesSz cx="6858000" cy="9144000"/>
@@ -2245,370 +2247,6 @@
 </file>
 
 <file path=ppt/slideLayouts/slideLayout10.xml><?xml version="1.0" encoding="utf-8"?>
-<p:sldLayout xmlns:a="http://schemas.openxmlformats.org/drawingml/2006/main" xmlns:r="http://schemas.openxmlformats.org/officeDocument/2006/relationships" xmlns:p="http://schemas.openxmlformats.org/presentationml/2006/main" matchingName="Big number">
-  <p:cSld name="BIG_NUMBER">
-    <p:spTree>
-      <p:nvGrpSpPr>
-        <p:cNvPr id="1" name="Shape 44"/>
-        <p:cNvGrpSpPr/>
-        <p:nvPr/>
-      </p:nvGrpSpPr>
-      <p:grpSpPr>
-        <a:xfrm>
-          <a:off x="0" y="0"/>
-          <a:ext cx="0" cy="0"/>
-          <a:chOff x="0" y="0"/>
-          <a:chExt cx="0" cy="0"/>
-        </a:xfrm>
-      </p:grpSpPr>
-      <p:sp>
-        <p:nvSpPr>
-          <p:cNvPr id="45" name="Google Shape;45;p11"/>
-          <p:cNvSpPr txBox="1">
-            <a:spLocks noGrp="1"/>
-          </p:cNvSpPr>
-          <p:nvPr>
-            <p:ph type="title" hasCustomPrompt="1"/>
-          </p:nvPr>
-        </p:nvSpPr>
-        <p:spPr>
-          <a:xfrm>
-            <a:off x="311700" y="1106125"/>
-            <a:ext cx="8520600" cy="1963500"/>
-          </a:xfrm>
-          <a:prstGeom prst="rect">
-            <a:avLst/>
-          </a:prstGeom>
-        </p:spPr>
-        <p:txBody>
-          <a:bodyPr spcFirstLastPara="1" wrap="square" lIns="91425" tIns="91425" rIns="91425" bIns="91425" anchor="b" anchorCtr="0">
-            <a:normAutofit/>
-          </a:bodyPr>
-          <a:lstStyle>
-            <a:lvl1pPr lvl="0" algn="ctr">
-              <a:spcBef>
-                <a:spcPts val="0"/>
-              </a:spcBef>
-              <a:spcAft>
-                <a:spcPts val="0"/>
-              </a:spcAft>
-              <a:buSzPts val="12000"/>
-              <a:buNone/>
-              <a:defRPr sz="12000"/>
-            </a:lvl1pPr>
-            <a:lvl2pPr lvl="1" algn="ctr">
-              <a:spcBef>
-                <a:spcPts val="0"/>
-              </a:spcBef>
-              <a:spcAft>
-                <a:spcPts val="0"/>
-              </a:spcAft>
-              <a:buSzPts val="12000"/>
-              <a:buNone/>
-              <a:defRPr sz="12000"/>
-            </a:lvl2pPr>
-            <a:lvl3pPr lvl="2" algn="ctr">
-              <a:spcBef>
-                <a:spcPts val="0"/>
-              </a:spcBef>
-              <a:spcAft>
-                <a:spcPts val="0"/>
-              </a:spcAft>
-              <a:buSzPts val="12000"/>
-              <a:buNone/>
-              <a:defRPr sz="12000"/>
-            </a:lvl3pPr>
-            <a:lvl4pPr lvl="3" algn="ctr">
-              <a:spcBef>
-                <a:spcPts val="0"/>
-              </a:spcBef>
-              <a:spcAft>
-                <a:spcPts val="0"/>
-              </a:spcAft>
-              <a:buSzPts val="12000"/>
-              <a:buNone/>
-              <a:defRPr sz="12000"/>
-            </a:lvl4pPr>
-            <a:lvl5pPr lvl="4" algn="ctr">
-              <a:spcBef>
-                <a:spcPts val="0"/>
-              </a:spcBef>
-              <a:spcAft>
-                <a:spcPts val="0"/>
-              </a:spcAft>
-              <a:buSzPts val="12000"/>
-              <a:buNone/>
-              <a:defRPr sz="12000"/>
-            </a:lvl5pPr>
-            <a:lvl6pPr lvl="5" algn="ctr">
-              <a:spcBef>
-                <a:spcPts val="0"/>
-              </a:spcBef>
-              <a:spcAft>
-                <a:spcPts val="0"/>
-              </a:spcAft>
-              <a:buSzPts val="12000"/>
-              <a:buNone/>
-              <a:defRPr sz="12000"/>
-            </a:lvl6pPr>
-            <a:lvl7pPr lvl="6" algn="ctr">
-              <a:spcBef>
-                <a:spcPts val="0"/>
-              </a:spcBef>
-              <a:spcAft>
-                <a:spcPts val="0"/>
-              </a:spcAft>
-              <a:buSzPts val="12000"/>
-              <a:buNone/>
-              <a:defRPr sz="12000"/>
-            </a:lvl7pPr>
-            <a:lvl8pPr lvl="7" algn="ctr">
-              <a:spcBef>
-                <a:spcPts val="0"/>
-              </a:spcBef>
-              <a:spcAft>
-                <a:spcPts val="0"/>
-              </a:spcAft>
-              <a:buSzPts val="12000"/>
-              <a:buNone/>
-              <a:defRPr sz="12000"/>
-            </a:lvl8pPr>
-            <a:lvl9pPr lvl="8" algn="ctr">
-              <a:spcBef>
-                <a:spcPts val="0"/>
-              </a:spcBef>
-              <a:spcAft>
-                <a:spcPts val="0"/>
-              </a:spcAft>
-              <a:buSzPts val="12000"/>
-              <a:buNone/>
-              <a:defRPr sz="12000"/>
-            </a:lvl9pPr>
-          </a:lstStyle>
-          <a:p>
-            <a:r>
-              <a:t>xx%</a:t>
-            </a:r>
-          </a:p>
-        </p:txBody>
-      </p:sp>
-      <p:sp>
-        <p:nvSpPr>
-          <p:cNvPr id="46" name="Google Shape;46;p11"/>
-          <p:cNvSpPr txBox="1">
-            <a:spLocks noGrp="1"/>
-          </p:cNvSpPr>
-          <p:nvPr>
-            <p:ph type="body" idx="1"/>
-          </p:nvPr>
-        </p:nvSpPr>
-        <p:spPr>
-          <a:xfrm>
-            <a:off x="311700" y="3152225"/>
-            <a:ext cx="8520600" cy="1300800"/>
-          </a:xfrm>
-          <a:prstGeom prst="rect">
-            <a:avLst/>
-          </a:prstGeom>
-        </p:spPr>
-        <p:txBody>
-          <a:bodyPr spcFirstLastPara="1" wrap="square" lIns="91425" tIns="91425" rIns="91425" bIns="91425" anchor="t" anchorCtr="0">
-            <a:normAutofit/>
-          </a:bodyPr>
-          <a:lstStyle>
-            <a:lvl1pPr marL="457200" lvl="0" indent="-342900" algn="ctr">
-              <a:spcBef>
-                <a:spcPts val="0"/>
-              </a:spcBef>
-              <a:spcAft>
-                <a:spcPts val="0"/>
-              </a:spcAft>
-              <a:buSzPts val="1800"/>
-              <a:buChar char="●"/>
-              <a:defRPr/>
-            </a:lvl1pPr>
-            <a:lvl2pPr marL="914400" lvl="1" indent="-317500" algn="ctr">
-              <a:spcBef>
-                <a:spcPts val="0"/>
-              </a:spcBef>
-              <a:spcAft>
-                <a:spcPts val="0"/>
-              </a:spcAft>
-              <a:buSzPts val="1400"/>
-              <a:buChar char="○"/>
-              <a:defRPr/>
-            </a:lvl2pPr>
-            <a:lvl3pPr marL="1371600" lvl="2" indent="-317500" algn="ctr">
-              <a:spcBef>
-                <a:spcPts val="0"/>
-              </a:spcBef>
-              <a:spcAft>
-                <a:spcPts val="0"/>
-              </a:spcAft>
-              <a:buSzPts val="1400"/>
-              <a:buChar char="■"/>
-              <a:defRPr/>
-            </a:lvl3pPr>
-            <a:lvl4pPr marL="1828800" lvl="3" indent="-317500" algn="ctr">
-              <a:spcBef>
-                <a:spcPts val="0"/>
-              </a:spcBef>
-              <a:spcAft>
-                <a:spcPts val="0"/>
-              </a:spcAft>
-              <a:buSzPts val="1400"/>
-              <a:buChar char="●"/>
-              <a:defRPr/>
-            </a:lvl4pPr>
-            <a:lvl5pPr marL="2286000" lvl="4" indent="-317500" algn="ctr">
-              <a:spcBef>
-                <a:spcPts val="0"/>
-              </a:spcBef>
-              <a:spcAft>
-                <a:spcPts val="0"/>
-              </a:spcAft>
-              <a:buSzPts val="1400"/>
-              <a:buChar char="○"/>
-              <a:defRPr/>
-            </a:lvl5pPr>
-            <a:lvl6pPr marL="2743200" lvl="5" indent="-317500" algn="ctr">
-              <a:spcBef>
-                <a:spcPts val="0"/>
-              </a:spcBef>
-              <a:spcAft>
-                <a:spcPts val="0"/>
-              </a:spcAft>
-              <a:buSzPts val="1400"/>
-              <a:buChar char="■"/>
-              <a:defRPr/>
-            </a:lvl6pPr>
-            <a:lvl7pPr marL="3200400" lvl="6" indent="-317500" algn="ctr">
-              <a:spcBef>
-                <a:spcPts val="0"/>
-              </a:spcBef>
-              <a:spcAft>
-                <a:spcPts val="0"/>
-              </a:spcAft>
-              <a:buSzPts val="1400"/>
-              <a:buChar char="●"/>
-              <a:defRPr/>
-            </a:lvl7pPr>
-            <a:lvl8pPr marL="3657600" lvl="7" indent="-317500" algn="ctr">
-              <a:spcBef>
-                <a:spcPts val="0"/>
-              </a:spcBef>
-              <a:spcAft>
-                <a:spcPts val="0"/>
-              </a:spcAft>
-              <a:buSzPts val="1400"/>
-              <a:buChar char="○"/>
-              <a:defRPr/>
-            </a:lvl8pPr>
-            <a:lvl9pPr marL="4114800" lvl="8" indent="-317500" algn="ctr">
-              <a:spcBef>
-                <a:spcPts val="0"/>
-              </a:spcBef>
-              <a:spcAft>
-                <a:spcPts val="0"/>
-              </a:spcAft>
-              <a:buSzPts val="1400"/>
-              <a:buChar char="■"/>
-              <a:defRPr/>
-            </a:lvl9pPr>
-          </a:lstStyle>
-          <a:p>
-            <a:endParaRPr/>
-          </a:p>
-        </p:txBody>
-      </p:sp>
-      <p:sp>
-        <p:nvSpPr>
-          <p:cNvPr id="47" name="Google Shape;47;p11"/>
-          <p:cNvSpPr txBox="1">
-            <a:spLocks noGrp="1"/>
-          </p:cNvSpPr>
-          <p:nvPr>
-            <p:ph type="sldNum" idx="12"/>
-          </p:nvPr>
-        </p:nvSpPr>
-        <p:spPr>
-          <a:xfrm>
-            <a:off x="8472458" y="4663217"/>
-            <a:ext cx="548700" cy="393600"/>
-          </a:xfrm>
-          <a:prstGeom prst="rect">
-            <a:avLst/>
-          </a:prstGeom>
-        </p:spPr>
-        <p:txBody>
-          <a:bodyPr spcFirstLastPara="1" wrap="square" lIns="91425" tIns="91425" rIns="91425" bIns="91425" anchor="ctr" anchorCtr="0">
-            <a:normAutofit/>
-          </a:bodyPr>
-          <a:lstStyle>
-            <a:lvl1pPr lvl="0">
-              <a:buNone/>
-              <a:defRPr/>
-            </a:lvl1pPr>
-            <a:lvl2pPr lvl="1">
-              <a:buNone/>
-              <a:defRPr/>
-            </a:lvl2pPr>
-            <a:lvl3pPr lvl="2">
-              <a:buNone/>
-              <a:defRPr/>
-            </a:lvl3pPr>
-            <a:lvl4pPr lvl="3">
-              <a:buNone/>
-              <a:defRPr/>
-            </a:lvl4pPr>
-            <a:lvl5pPr lvl="4">
-              <a:buNone/>
-              <a:defRPr/>
-            </a:lvl5pPr>
-            <a:lvl6pPr lvl="5">
-              <a:buNone/>
-              <a:defRPr/>
-            </a:lvl6pPr>
-            <a:lvl7pPr lvl="6">
-              <a:buNone/>
-              <a:defRPr/>
-            </a:lvl7pPr>
-            <a:lvl8pPr lvl="7">
-              <a:buNone/>
-              <a:defRPr/>
-            </a:lvl8pPr>
-            <a:lvl9pPr lvl="8">
-              <a:buNone/>
-              <a:defRPr/>
-            </a:lvl9pPr>
-          </a:lstStyle>
-          <a:p>
-            <a:pPr marL="0" lvl="0" indent="0" algn="r" rtl="0">
-              <a:spcBef>
-                <a:spcPts val="0"/>
-              </a:spcBef>
-              <a:spcAft>
-                <a:spcPts val="0"/>
-              </a:spcAft>
-              <a:buNone/>
-            </a:pPr>
-            <a:fld id="{00000000-1234-1234-1234-123412341234}" type="slidenum">
-              <a:rPr lang="ko"/>
-              <a:t>‹#›</a:t>
-            </a:fld>
-            <a:endParaRPr/>
-          </a:p>
-        </p:txBody>
-      </p:sp>
-    </p:spTree>
-  </p:cSld>
-  <p:clrMapOvr>
-    <a:masterClrMapping/>
-  </p:clrMapOvr>
-</p:sldLayout>
-</file>
-
-<file path=ppt/slideLayouts/slideLayout11.xml><?xml version="1.0" encoding="utf-8"?>
 <p:sldLayout xmlns:a="http://schemas.openxmlformats.org/drawingml/2006/main" xmlns:r="http://schemas.openxmlformats.org/officeDocument/2006/relationships" xmlns:p="http://schemas.openxmlformats.org/presentationml/2006/main" matchingName="Blank" type="blank">
   <p:cSld name="BLANK">
     <p:spTree>
@@ -2712,12 +2350,12 @@
 </p:sldLayout>
 </file>
 
-<file path=ppt/slideLayouts/slideLayout2.xml><?xml version="1.0" encoding="utf-8"?>
-<p:sldLayout xmlns:a="http://schemas.openxmlformats.org/drawingml/2006/main" xmlns:r="http://schemas.openxmlformats.org/officeDocument/2006/relationships" xmlns:p="http://schemas.openxmlformats.org/presentationml/2006/main" matchingName="Section header" type="secHead">
-  <p:cSld name="SECTION_HEADER">
+<file path=ppt/slideLayouts/slideLayout11.xml><?xml version="1.0" encoding="utf-8"?>
+<p:sldLayout xmlns:a="http://schemas.openxmlformats.org/drawingml/2006/main" xmlns:r="http://schemas.openxmlformats.org/officeDocument/2006/relationships" xmlns:p="http://schemas.openxmlformats.org/presentationml/2006/main" type="obj">
+  <p:cSld name="제목 및 내용">
     <p:spTree>
       <p:nvGrpSpPr>
-        <p:cNvPr id="1" name="Shape 13"/>
+        <p:cNvPr id="1" name=""/>
         <p:cNvGrpSpPr/>
         <p:nvPr/>
       </p:nvGrpSpPr>
@@ -2731,213 +2369,150 @@
       </p:grpSpPr>
       <p:sp>
         <p:nvSpPr>
-          <p:cNvPr id="14" name="Google Shape;14;p3"/>
-          <p:cNvSpPr txBox="1">
+          <p:cNvPr id="2" name="제목 1"/>
+          <p:cNvSpPr>
             <a:spLocks noGrp="1"/>
           </p:cNvSpPr>
           <p:nvPr>
             <p:ph type="title"/>
           </p:nvPr>
         </p:nvSpPr>
-        <p:spPr>
-          <a:xfrm>
-            <a:off x="311700" y="2150850"/>
-            <a:ext cx="8520600" cy="841800"/>
-          </a:xfrm>
-          <a:prstGeom prst="rect">
-            <a:avLst/>
-          </a:prstGeom>
-        </p:spPr>
+        <p:spPr/>
         <p:txBody>
-          <a:bodyPr spcFirstLastPara="1" wrap="square" lIns="91425" tIns="91425" rIns="91425" bIns="91425" anchor="ctr" anchorCtr="0">
-            <a:normAutofit/>
-          </a:bodyPr>
-          <a:lstStyle>
-            <a:lvl1pPr lvl="0" algn="ctr">
-              <a:spcBef>
-                <a:spcPts val="0"/>
-              </a:spcBef>
-              <a:spcAft>
-                <a:spcPts val="0"/>
-              </a:spcAft>
-              <a:buSzPts val="3600"/>
-              <a:buNone/>
-              <a:defRPr sz="3600"/>
-            </a:lvl1pPr>
-            <a:lvl2pPr lvl="1" algn="ctr">
-              <a:spcBef>
-                <a:spcPts val="0"/>
-              </a:spcBef>
-              <a:spcAft>
-                <a:spcPts val="0"/>
-              </a:spcAft>
-              <a:buSzPts val="3600"/>
-              <a:buNone/>
-              <a:defRPr sz="3600"/>
-            </a:lvl2pPr>
-            <a:lvl3pPr lvl="2" algn="ctr">
-              <a:spcBef>
-                <a:spcPts val="0"/>
-              </a:spcBef>
-              <a:spcAft>
-                <a:spcPts val="0"/>
-              </a:spcAft>
-              <a:buSzPts val="3600"/>
-              <a:buNone/>
-              <a:defRPr sz="3600"/>
-            </a:lvl3pPr>
-            <a:lvl4pPr lvl="3" algn="ctr">
-              <a:spcBef>
-                <a:spcPts val="0"/>
-              </a:spcBef>
-              <a:spcAft>
-                <a:spcPts val="0"/>
-              </a:spcAft>
-              <a:buSzPts val="3600"/>
-              <a:buNone/>
-              <a:defRPr sz="3600"/>
-            </a:lvl4pPr>
-            <a:lvl5pPr lvl="4" algn="ctr">
-              <a:spcBef>
-                <a:spcPts val="0"/>
-              </a:spcBef>
-              <a:spcAft>
-                <a:spcPts val="0"/>
-              </a:spcAft>
-              <a:buSzPts val="3600"/>
-              <a:buNone/>
-              <a:defRPr sz="3600"/>
-            </a:lvl5pPr>
-            <a:lvl6pPr lvl="5" algn="ctr">
-              <a:spcBef>
-                <a:spcPts val="0"/>
-              </a:spcBef>
-              <a:spcAft>
-                <a:spcPts val="0"/>
-              </a:spcAft>
-              <a:buSzPts val="3600"/>
-              <a:buNone/>
-              <a:defRPr sz="3600"/>
-            </a:lvl6pPr>
-            <a:lvl7pPr lvl="6" algn="ctr">
-              <a:spcBef>
-                <a:spcPts val="0"/>
-              </a:spcBef>
-              <a:spcAft>
-                <a:spcPts val="0"/>
-              </a:spcAft>
-              <a:buSzPts val="3600"/>
-              <a:buNone/>
-              <a:defRPr sz="3600"/>
-            </a:lvl7pPr>
-            <a:lvl8pPr lvl="7" algn="ctr">
-              <a:spcBef>
-                <a:spcPts val="0"/>
-              </a:spcBef>
-              <a:spcAft>
-                <a:spcPts val="0"/>
-              </a:spcAft>
-              <a:buSzPts val="3600"/>
-              <a:buNone/>
-              <a:defRPr sz="3600"/>
-            </a:lvl8pPr>
-            <a:lvl9pPr lvl="8" algn="ctr">
-              <a:spcBef>
-                <a:spcPts val="0"/>
-              </a:spcBef>
-              <a:spcAft>
-                <a:spcPts val="0"/>
-              </a:spcAft>
-              <a:buSzPts val="3600"/>
-              <a:buNone/>
-              <a:defRPr sz="3600"/>
-            </a:lvl9pPr>
-          </a:lstStyle>
+          <a:bodyPr/>
+          <a:lstStyle/>
           <a:p>
-            <a:endParaRPr/>
+            <a:r>
+              <a:rPr lang="ko-KR" altLang="en-US" smtClean="0"/>
+              <a:t>마스터 제목 스타일 편집</a:t>
+            </a:r>
+            <a:endParaRPr lang="ko-KR" altLang="en-US"/>
           </a:p>
         </p:txBody>
       </p:sp>
       <p:sp>
         <p:nvSpPr>
-          <p:cNvPr id="15" name="Google Shape;15;p3"/>
-          <p:cNvSpPr txBox="1">
+          <p:cNvPr id="3" name="내용 개체 틀 2"/>
+          <p:cNvSpPr>
             <a:spLocks noGrp="1"/>
           </p:cNvSpPr>
           <p:nvPr>
-            <p:ph type="sldNum" idx="12"/>
+            <p:ph idx="1"/>
           </p:nvPr>
         </p:nvSpPr>
-        <p:spPr>
-          <a:xfrm>
-            <a:off x="8472458" y="4663217"/>
-            <a:ext cx="548700" cy="393600"/>
-          </a:xfrm>
-          <a:prstGeom prst="rect">
-            <a:avLst/>
-          </a:prstGeom>
-        </p:spPr>
+        <p:spPr/>
         <p:txBody>
-          <a:bodyPr spcFirstLastPara="1" wrap="square" lIns="91425" tIns="91425" rIns="91425" bIns="91425" anchor="ctr" anchorCtr="0">
-            <a:normAutofit/>
-          </a:bodyPr>
-          <a:lstStyle>
-            <a:lvl1pPr lvl="0">
-              <a:buNone/>
-              <a:defRPr/>
-            </a:lvl1pPr>
-            <a:lvl2pPr lvl="1">
-              <a:buNone/>
-              <a:defRPr/>
-            </a:lvl2pPr>
-            <a:lvl3pPr lvl="2">
-              <a:buNone/>
-              <a:defRPr/>
-            </a:lvl3pPr>
-            <a:lvl4pPr lvl="3">
-              <a:buNone/>
-              <a:defRPr/>
-            </a:lvl4pPr>
-            <a:lvl5pPr lvl="4">
-              <a:buNone/>
-              <a:defRPr/>
-            </a:lvl5pPr>
-            <a:lvl6pPr lvl="5">
-              <a:buNone/>
-              <a:defRPr/>
-            </a:lvl6pPr>
-            <a:lvl7pPr lvl="6">
-              <a:buNone/>
-              <a:defRPr/>
-            </a:lvl7pPr>
-            <a:lvl8pPr lvl="7">
-              <a:buNone/>
-              <a:defRPr/>
-            </a:lvl8pPr>
-            <a:lvl9pPr lvl="8">
-              <a:buNone/>
-              <a:defRPr/>
-            </a:lvl9pPr>
-          </a:lstStyle>
+          <a:bodyPr/>
+          <a:lstStyle/>
           <a:p>
-            <a:pPr marL="0" lvl="0" indent="0" algn="r" rtl="0">
-              <a:spcBef>
-                <a:spcPts val="0"/>
-              </a:spcBef>
-              <a:spcAft>
-                <a:spcPts val="0"/>
-              </a:spcAft>
-              <a:buNone/>
-            </a:pPr>
-            <a:fld id="{00000000-1234-1234-1234-123412341234}" type="slidenum">
-              <a:rPr lang="ko"/>
+            <a:pPr lvl="0"/>
+            <a:r>
+              <a:rPr lang="ko-KR" altLang="en-US" smtClean="0"/>
+              <a:t>마스터 텍스트 스타일 편집</a:t>
+            </a:r>
+          </a:p>
+          <a:p>
+            <a:pPr lvl="1"/>
+            <a:r>
+              <a:rPr lang="ko-KR" altLang="en-US" smtClean="0"/>
+              <a:t>둘째 수준</a:t>
+            </a:r>
+          </a:p>
+          <a:p>
+            <a:pPr lvl="2"/>
+            <a:r>
+              <a:rPr lang="ko-KR" altLang="en-US" smtClean="0"/>
+              <a:t>셋째 수준</a:t>
+            </a:r>
+          </a:p>
+          <a:p>
+            <a:pPr lvl="3"/>
+            <a:r>
+              <a:rPr lang="ko-KR" altLang="en-US" smtClean="0"/>
+              <a:t>넷째 수준</a:t>
+            </a:r>
+          </a:p>
+          <a:p>
+            <a:pPr lvl="4"/>
+            <a:r>
+              <a:rPr lang="ko-KR" altLang="en-US" smtClean="0"/>
+              <a:t>다섯째 수준</a:t>
+            </a:r>
+            <a:endParaRPr lang="ko-KR" altLang="en-US"/>
+          </a:p>
+        </p:txBody>
+      </p:sp>
+      <p:sp>
+        <p:nvSpPr>
+          <p:cNvPr id="4" name="날짜 개체 틀 3"/>
+          <p:cNvSpPr>
+            <a:spLocks noGrp="1"/>
+          </p:cNvSpPr>
+          <p:nvPr>
+            <p:ph type="dt" sz="half" idx="10"/>
+          </p:nvPr>
+        </p:nvSpPr>
+        <p:spPr/>
+        <p:txBody>
+          <a:bodyPr/>
+          <a:lstStyle/>
+          <a:p>
+            <a:fld id="{D13A647E-33A5-4118-826C-763D5C5315E8}" type="datetimeFigureOut">
+              <a:rPr lang="ko-KR" altLang="en-US" smtClean="0"/>
+              <a:t>2023-02-17</a:t>
+            </a:fld>
+            <a:endParaRPr lang="ko-KR" altLang="en-US"/>
+          </a:p>
+        </p:txBody>
+      </p:sp>
+      <p:sp>
+        <p:nvSpPr>
+          <p:cNvPr id="5" name="바닥글 개체 틀 4"/>
+          <p:cNvSpPr>
+            <a:spLocks noGrp="1"/>
+          </p:cNvSpPr>
+          <p:nvPr>
+            <p:ph type="ftr" sz="quarter" idx="11"/>
+          </p:nvPr>
+        </p:nvSpPr>
+        <p:spPr/>
+        <p:txBody>
+          <a:bodyPr/>
+          <a:lstStyle/>
+          <a:p>
+            <a:endParaRPr lang="ko-KR" altLang="en-US"/>
+          </a:p>
+        </p:txBody>
+      </p:sp>
+      <p:sp>
+        <p:nvSpPr>
+          <p:cNvPr id="6" name="슬라이드 번호 개체 틀 5"/>
+          <p:cNvSpPr>
+            <a:spLocks noGrp="1"/>
+          </p:cNvSpPr>
+          <p:nvPr>
+            <p:ph type="sldNum" sz="quarter" idx="12"/>
+          </p:nvPr>
+        </p:nvSpPr>
+        <p:spPr/>
+        <p:txBody>
+          <a:bodyPr/>
+          <a:lstStyle/>
+          <a:p>
+            <a:fld id="{A93BCAE5-9AE9-487D-A2EB-11A060AA55C6}" type="slidenum">
+              <a:rPr lang="ko-KR" altLang="en-US" smtClean="0"/>
               <a:t>‹#›</a:t>
             </a:fld>
-            <a:endParaRPr/>
+            <a:endParaRPr lang="ko-KR" altLang="en-US"/>
           </a:p>
         </p:txBody>
       </p:sp>
     </p:spTree>
+    <p:extLst>
+      <p:ext uri="{BB962C8B-B14F-4D97-AF65-F5344CB8AC3E}">
+        <p14:creationId xmlns:p14="http://schemas.microsoft.com/office/powerpoint/2010/main" val="727461546"/>
+      </p:ext>
+    </p:extLst>
   </p:cSld>
   <p:clrMapOvr>
     <a:masterClrMapping/>
@@ -2945,7 +2520,7 @@
 </p:sldLayout>
 </file>
 
-<file path=ppt/slideLayouts/slideLayout3.xml><?xml version="1.0" encoding="utf-8"?>
+<file path=ppt/slideLayouts/slideLayout2.xml><?xml version="1.0" encoding="utf-8"?>
 <p:sldLayout xmlns:a="http://schemas.openxmlformats.org/drawingml/2006/main" xmlns:r="http://schemas.openxmlformats.org/officeDocument/2006/relationships" xmlns:p="http://schemas.openxmlformats.org/presentationml/2006/main" matchingName="Title and body" type="tx">
   <p:cSld name="TITLE_AND_BODY">
     <p:spTree>
@@ -3307,7 +2882,7 @@
 </p:sldLayout>
 </file>
 
-<file path=ppt/slideLayouts/slideLayout4.xml><?xml version="1.0" encoding="utf-8"?>
+<file path=ppt/slideLayouts/slideLayout3.xml><?xml version="1.0" encoding="utf-8"?>
 <p:sldLayout xmlns:a="http://schemas.openxmlformats.org/drawingml/2006/main" xmlns:r="http://schemas.openxmlformats.org/officeDocument/2006/relationships" xmlns:p="http://schemas.openxmlformats.org/presentationml/2006/main" matchingName="Title and two columns" type="twoColTx">
   <p:cSld name="TITLE_AND_TWO_COLUMNS">
     <p:spTree>
@@ -3798,7 +3373,7 @@
 </p:sldLayout>
 </file>
 
-<file path=ppt/slideLayouts/slideLayout5.xml><?xml version="1.0" encoding="utf-8"?>
+<file path=ppt/slideLayouts/slideLayout4.xml><?xml version="1.0" encoding="utf-8"?>
 <p:sldLayout xmlns:a="http://schemas.openxmlformats.org/drawingml/2006/main" xmlns:r="http://schemas.openxmlformats.org/officeDocument/2006/relationships" xmlns:p="http://schemas.openxmlformats.org/presentationml/2006/main" matchingName="Title only" type="titleOnly">
   <p:cSld name="TITLE_ONLY">
     <p:spTree>
@@ -4031,7 +3606,7 @@
 </p:sldLayout>
 </file>
 
-<file path=ppt/slideLayouts/slideLayout6.xml><?xml version="1.0" encoding="utf-8"?>
+<file path=ppt/slideLayouts/slideLayout5.xml><?xml version="1.0" encoding="utf-8"?>
 <p:sldLayout xmlns:a="http://schemas.openxmlformats.org/drawingml/2006/main" xmlns:r="http://schemas.openxmlformats.org/officeDocument/2006/relationships" xmlns:p="http://schemas.openxmlformats.org/presentationml/2006/main" matchingName="One column text">
   <p:cSld name="ONE_COLUMN_TEXT">
     <p:spTree>
@@ -4393,7 +3968,7 @@
 </p:sldLayout>
 </file>
 
-<file path=ppt/slideLayouts/slideLayout7.xml><?xml version="1.0" encoding="utf-8"?>
+<file path=ppt/slideLayouts/slideLayout6.xml><?xml version="1.0" encoding="utf-8"?>
 <p:sldLayout xmlns:a="http://schemas.openxmlformats.org/drawingml/2006/main" xmlns:r="http://schemas.openxmlformats.org/officeDocument/2006/relationships" xmlns:p="http://schemas.openxmlformats.org/presentationml/2006/main" matchingName="Main point">
   <p:cSld name="MAIN_POINT">
     <p:spTree>
@@ -4626,7 +4201,7 @@
 </p:sldLayout>
 </file>
 
-<file path=ppt/slideLayouts/slideLayout8.xml><?xml version="1.0" encoding="utf-8"?>
+<file path=ppt/slideLayouts/slideLayout7.xml><?xml version="1.0" encoding="utf-8"?>
 <p:sldLayout xmlns:a="http://schemas.openxmlformats.org/drawingml/2006/main" xmlns:r="http://schemas.openxmlformats.org/officeDocument/2006/relationships" xmlns:p="http://schemas.openxmlformats.org/presentationml/2006/main" matchingName="Section title and description">
   <p:cSld name="SECTION_TITLE_AND_DESCRIPTION">
     <p:spTree>
@@ -5184,7 +4759,7 @@
 </p:sldLayout>
 </file>
 
-<file path=ppt/slideLayouts/slideLayout9.xml><?xml version="1.0" encoding="utf-8"?>
+<file path=ppt/slideLayouts/slideLayout8.xml><?xml version="1.0" encoding="utf-8"?>
 <p:sldLayout xmlns:a="http://schemas.openxmlformats.org/drawingml/2006/main" xmlns:r="http://schemas.openxmlformats.org/officeDocument/2006/relationships" xmlns:p="http://schemas.openxmlformats.org/presentationml/2006/main" matchingName="Caption">
   <p:cSld name="CAPTION_ONLY">
     <p:spTree>
@@ -5248,6 +4823,370 @@
       <p:sp>
         <p:nvSpPr>
           <p:cNvPr id="43" name="Google Shape;43;p10"/>
+          <p:cNvSpPr txBox="1">
+            <a:spLocks noGrp="1"/>
+          </p:cNvSpPr>
+          <p:nvPr>
+            <p:ph type="sldNum" idx="12"/>
+          </p:nvPr>
+        </p:nvSpPr>
+        <p:spPr>
+          <a:xfrm>
+            <a:off x="8472458" y="4663217"/>
+            <a:ext cx="548700" cy="393600"/>
+          </a:xfrm>
+          <a:prstGeom prst="rect">
+            <a:avLst/>
+          </a:prstGeom>
+        </p:spPr>
+        <p:txBody>
+          <a:bodyPr spcFirstLastPara="1" wrap="square" lIns="91425" tIns="91425" rIns="91425" bIns="91425" anchor="ctr" anchorCtr="0">
+            <a:normAutofit/>
+          </a:bodyPr>
+          <a:lstStyle>
+            <a:lvl1pPr lvl="0">
+              <a:buNone/>
+              <a:defRPr/>
+            </a:lvl1pPr>
+            <a:lvl2pPr lvl="1">
+              <a:buNone/>
+              <a:defRPr/>
+            </a:lvl2pPr>
+            <a:lvl3pPr lvl="2">
+              <a:buNone/>
+              <a:defRPr/>
+            </a:lvl3pPr>
+            <a:lvl4pPr lvl="3">
+              <a:buNone/>
+              <a:defRPr/>
+            </a:lvl4pPr>
+            <a:lvl5pPr lvl="4">
+              <a:buNone/>
+              <a:defRPr/>
+            </a:lvl5pPr>
+            <a:lvl6pPr lvl="5">
+              <a:buNone/>
+              <a:defRPr/>
+            </a:lvl6pPr>
+            <a:lvl7pPr lvl="6">
+              <a:buNone/>
+              <a:defRPr/>
+            </a:lvl7pPr>
+            <a:lvl8pPr lvl="7">
+              <a:buNone/>
+              <a:defRPr/>
+            </a:lvl8pPr>
+            <a:lvl9pPr lvl="8">
+              <a:buNone/>
+              <a:defRPr/>
+            </a:lvl9pPr>
+          </a:lstStyle>
+          <a:p>
+            <a:pPr marL="0" lvl="0" indent="0" algn="r" rtl="0">
+              <a:spcBef>
+                <a:spcPts val="0"/>
+              </a:spcBef>
+              <a:spcAft>
+                <a:spcPts val="0"/>
+              </a:spcAft>
+              <a:buNone/>
+            </a:pPr>
+            <a:fld id="{00000000-1234-1234-1234-123412341234}" type="slidenum">
+              <a:rPr lang="ko"/>
+              <a:t>‹#›</a:t>
+            </a:fld>
+            <a:endParaRPr/>
+          </a:p>
+        </p:txBody>
+      </p:sp>
+    </p:spTree>
+  </p:cSld>
+  <p:clrMapOvr>
+    <a:masterClrMapping/>
+  </p:clrMapOvr>
+</p:sldLayout>
+</file>
+
+<file path=ppt/slideLayouts/slideLayout9.xml><?xml version="1.0" encoding="utf-8"?>
+<p:sldLayout xmlns:a="http://schemas.openxmlformats.org/drawingml/2006/main" xmlns:r="http://schemas.openxmlformats.org/officeDocument/2006/relationships" xmlns:p="http://schemas.openxmlformats.org/presentationml/2006/main" matchingName="Big number">
+  <p:cSld name="BIG_NUMBER">
+    <p:spTree>
+      <p:nvGrpSpPr>
+        <p:cNvPr id="1" name="Shape 44"/>
+        <p:cNvGrpSpPr/>
+        <p:nvPr/>
+      </p:nvGrpSpPr>
+      <p:grpSpPr>
+        <a:xfrm>
+          <a:off x="0" y="0"/>
+          <a:ext cx="0" cy="0"/>
+          <a:chOff x="0" y="0"/>
+          <a:chExt cx="0" cy="0"/>
+        </a:xfrm>
+      </p:grpSpPr>
+      <p:sp>
+        <p:nvSpPr>
+          <p:cNvPr id="45" name="Google Shape;45;p11"/>
+          <p:cNvSpPr txBox="1">
+            <a:spLocks noGrp="1"/>
+          </p:cNvSpPr>
+          <p:nvPr>
+            <p:ph type="title" hasCustomPrompt="1"/>
+          </p:nvPr>
+        </p:nvSpPr>
+        <p:spPr>
+          <a:xfrm>
+            <a:off x="311700" y="1106125"/>
+            <a:ext cx="8520600" cy="1963500"/>
+          </a:xfrm>
+          <a:prstGeom prst="rect">
+            <a:avLst/>
+          </a:prstGeom>
+        </p:spPr>
+        <p:txBody>
+          <a:bodyPr spcFirstLastPara="1" wrap="square" lIns="91425" tIns="91425" rIns="91425" bIns="91425" anchor="b" anchorCtr="0">
+            <a:normAutofit/>
+          </a:bodyPr>
+          <a:lstStyle>
+            <a:lvl1pPr lvl="0" algn="ctr">
+              <a:spcBef>
+                <a:spcPts val="0"/>
+              </a:spcBef>
+              <a:spcAft>
+                <a:spcPts val="0"/>
+              </a:spcAft>
+              <a:buSzPts val="12000"/>
+              <a:buNone/>
+              <a:defRPr sz="12000"/>
+            </a:lvl1pPr>
+            <a:lvl2pPr lvl="1" algn="ctr">
+              <a:spcBef>
+                <a:spcPts val="0"/>
+              </a:spcBef>
+              <a:spcAft>
+                <a:spcPts val="0"/>
+              </a:spcAft>
+              <a:buSzPts val="12000"/>
+              <a:buNone/>
+              <a:defRPr sz="12000"/>
+            </a:lvl2pPr>
+            <a:lvl3pPr lvl="2" algn="ctr">
+              <a:spcBef>
+                <a:spcPts val="0"/>
+              </a:spcBef>
+              <a:spcAft>
+                <a:spcPts val="0"/>
+              </a:spcAft>
+              <a:buSzPts val="12000"/>
+              <a:buNone/>
+              <a:defRPr sz="12000"/>
+            </a:lvl3pPr>
+            <a:lvl4pPr lvl="3" algn="ctr">
+              <a:spcBef>
+                <a:spcPts val="0"/>
+              </a:spcBef>
+              <a:spcAft>
+                <a:spcPts val="0"/>
+              </a:spcAft>
+              <a:buSzPts val="12000"/>
+              <a:buNone/>
+              <a:defRPr sz="12000"/>
+            </a:lvl4pPr>
+            <a:lvl5pPr lvl="4" algn="ctr">
+              <a:spcBef>
+                <a:spcPts val="0"/>
+              </a:spcBef>
+              <a:spcAft>
+                <a:spcPts val="0"/>
+              </a:spcAft>
+              <a:buSzPts val="12000"/>
+              <a:buNone/>
+              <a:defRPr sz="12000"/>
+            </a:lvl5pPr>
+            <a:lvl6pPr lvl="5" algn="ctr">
+              <a:spcBef>
+                <a:spcPts val="0"/>
+              </a:spcBef>
+              <a:spcAft>
+                <a:spcPts val="0"/>
+              </a:spcAft>
+              <a:buSzPts val="12000"/>
+              <a:buNone/>
+              <a:defRPr sz="12000"/>
+            </a:lvl6pPr>
+            <a:lvl7pPr lvl="6" algn="ctr">
+              <a:spcBef>
+                <a:spcPts val="0"/>
+              </a:spcBef>
+              <a:spcAft>
+                <a:spcPts val="0"/>
+              </a:spcAft>
+              <a:buSzPts val="12000"/>
+              <a:buNone/>
+              <a:defRPr sz="12000"/>
+            </a:lvl7pPr>
+            <a:lvl8pPr lvl="7" algn="ctr">
+              <a:spcBef>
+                <a:spcPts val="0"/>
+              </a:spcBef>
+              <a:spcAft>
+                <a:spcPts val="0"/>
+              </a:spcAft>
+              <a:buSzPts val="12000"/>
+              <a:buNone/>
+              <a:defRPr sz="12000"/>
+            </a:lvl8pPr>
+            <a:lvl9pPr lvl="8" algn="ctr">
+              <a:spcBef>
+                <a:spcPts val="0"/>
+              </a:spcBef>
+              <a:spcAft>
+                <a:spcPts val="0"/>
+              </a:spcAft>
+              <a:buSzPts val="12000"/>
+              <a:buNone/>
+              <a:defRPr sz="12000"/>
+            </a:lvl9pPr>
+          </a:lstStyle>
+          <a:p>
+            <a:r>
+              <a:t>xx%</a:t>
+            </a:r>
+          </a:p>
+        </p:txBody>
+      </p:sp>
+      <p:sp>
+        <p:nvSpPr>
+          <p:cNvPr id="46" name="Google Shape;46;p11"/>
+          <p:cNvSpPr txBox="1">
+            <a:spLocks noGrp="1"/>
+          </p:cNvSpPr>
+          <p:nvPr>
+            <p:ph type="body" idx="1"/>
+          </p:nvPr>
+        </p:nvSpPr>
+        <p:spPr>
+          <a:xfrm>
+            <a:off x="311700" y="3152225"/>
+            <a:ext cx="8520600" cy="1300800"/>
+          </a:xfrm>
+          <a:prstGeom prst="rect">
+            <a:avLst/>
+          </a:prstGeom>
+        </p:spPr>
+        <p:txBody>
+          <a:bodyPr spcFirstLastPara="1" wrap="square" lIns="91425" tIns="91425" rIns="91425" bIns="91425" anchor="t" anchorCtr="0">
+            <a:normAutofit/>
+          </a:bodyPr>
+          <a:lstStyle>
+            <a:lvl1pPr marL="457200" lvl="0" indent="-342900" algn="ctr">
+              <a:spcBef>
+                <a:spcPts val="0"/>
+              </a:spcBef>
+              <a:spcAft>
+                <a:spcPts val="0"/>
+              </a:spcAft>
+              <a:buSzPts val="1800"/>
+              <a:buChar char="●"/>
+              <a:defRPr/>
+            </a:lvl1pPr>
+            <a:lvl2pPr marL="914400" lvl="1" indent="-317500" algn="ctr">
+              <a:spcBef>
+                <a:spcPts val="0"/>
+              </a:spcBef>
+              <a:spcAft>
+                <a:spcPts val="0"/>
+              </a:spcAft>
+              <a:buSzPts val="1400"/>
+              <a:buChar char="○"/>
+              <a:defRPr/>
+            </a:lvl2pPr>
+            <a:lvl3pPr marL="1371600" lvl="2" indent="-317500" algn="ctr">
+              <a:spcBef>
+                <a:spcPts val="0"/>
+              </a:spcBef>
+              <a:spcAft>
+                <a:spcPts val="0"/>
+              </a:spcAft>
+              <a:buSzPts val="1400"/>
+              <a:buChar char="■"/>
+              <a:defRPr/>
+            </a:lvl3pPr>
+            <a:lvl4pPr marL="1828800" lvl="3" indent="-317500" algn="ctr">
+              <a:spcBef>
+                <a:spcPts val="0"/>
+              </a:spcBef>
+              <a:spcAft>
+                <a:spcPts val="0"/>
+              </a:spcAft>
+              <a:buSzPts val="1400"/>
+              <a:buChar char="●"/>
+              <a:defRPr/>
+            </a:lvl4pPr>
+            <a:lvl5pPr marL="2286000" lvl="4" indent="-317500" algn="ctr">
+              <a:spcBef>
+                <a:spcPts val="0"/>
+              </a:spcBef>
+              <a:spcAft>
+                <a:spcPts val="0"/>
+              </a:spcAft>
+              <a:buSzPts val="1400"/>
+              <a:buChar char="○"/>
+              <a:defRPr/>
+            </a:lvl5pPr>
+            <a:lvl6pPr marL="2743200" lvl="5" indent="-317500" algn="ctr">
+              <a:spcBef>
+                <a:spcPts val="0"/>
+              </a:spcBef>
+              <a:spcAft>
+                <a:spcPts val="0"/>
+              </a:spcAft>
+              <a:buSzPts val="1400"/>
+              <a:buChar char="■"/>
+              <a:defRPr/>
+            </a:lvl6pPr>
+            <a:lvl7pPr marL="3200400" lvl="6" indent="-317500" algn="ctr">
+              <a:spcBef>
+                <a:spcPts val="0"/>
+              </a:spcBef>
+              <a:spcAft>
+                <a:spcPts val="0"/>
+              </a:spcAft>
+              <a:buSzPts val="1400"/>
+              <a:buChar char="●"/>
+              <a:defRPr/>
+            </a:lvl7pPr>
+            <a:lvl8pPr marL="3657600" lvl="7" indent="-317500" algn="ctr">
+              <a:spcBef>
+                <a:spcPts val="0"/>
+              </a:spcBef>
+              <a:spcAft>
+                <a:spcPts val="0"/>
+              </a:spcAft>
+              <a:buSzPts val="1400"/>
+              <a:buChar char="○"/>
+              <a:defRPr/>
+            </a:lvl8pPr>
+            <a:lvl9pPr marL="4114800" lvl="8" indent="-317500" algn="ctr">
+              <a:spcBef>
+                <a:spcPts val="0"/>
+              </a:spcBef>
+              <a:spcAft>
+                <a:spcPts val="0"/>
+              </a:spcAft>
+              <a:buSzPts val="1400"/>
+              <a:buChar char="■"/>
+              <a:defRPr/>
+            </a:lvl9pPr>
+          </a:lstStyle>
+          <a:p>
+            <a:endParaRPr/>
+          </a:p>
+        </p:txBody>
+      </p:sp>
+      <p:sp>
+        <p:nvSpPr>
+          <p:cNvPr id="47" name="Google Shape;47;p11"/>
           <p:cNvSpPr txBox="1">
             <a:spLocks noGrp="1"/>
           </p:cNvSpPr>
@@ -5900,16 +5839,16 @@
   <p:clrMap bg1="lt1" tx1="dk1" bg2="dk2" tx2="lt2" accent1="accent1" accent2="accent2" accent3="accent3" accent4="accent4" accent5="accent5" accent6="accent6" hlink="hlink" folHlink="folHlink"/>
   <p:sldLayoutIdLst>
     <p:sldLayoutId id="2147483648" r:id="rId1"/>
-    <p:sldLayoutId id="2147483649" r:id="rId2"/>
-    <p:sldLayoutId id="2147483650" r:id="rId3"/>
-    <p:sldLayoutId id="2147483651" r:id="rId4"/>
-    <p:sldLayoutId id="2147483652" r:id="rId5"/>
-    <p:sldLayoutId id="2147483653" r:id="rId6"/>
-    <p:sldLayoutId id="2147483654" r:id="rId7"/>
-    <p:sldLayoutId id="2147483655" r:id="rId8"/>
-    <p:sldLayoutId id="2147483656" r:id="rId9"/>
-    <p:sldLayoutId id="2147483657" r:id="rId10"/>
-    <p:sldLayoutId id="2147483658" r:id="rId11"/>
+    <p:sldLayoutId id="2147483650" r:id="rId2"/>
+    <p:sldLayoutId id="2147483651" r:id="rId3"/>
+    <p:sldLayoutId id="2147483652" r:id="rId4"/>
+    <p:sldLayoutId id="2147483653" r:id="rId5"/>
+    <p:sldLayoutId id="2147483654" r:id="rId6"/>
+    <p:sldLayoutId id="2147483655" r:id="rId7"/>
+    <p:sldLayoutId id="2147483656" r:id="rId8"/>
+    <p:sldLayoutId id="2147483657" r:id="rId9"/>
+    <p:sldLayoutId id="2147483658" r:id="rId10"/>
+    <p:sldLayoutId id="2147483660" r:id="rId11"/>
   </p:sldLayoutIdLst>
   <p:hf sldNum="0" hdr="0" ftr="0" dt="0"/>
   <p:txStyles>
@@ -7288,6 +7227,318 @@
         </p:spPr>
       </p:pic>
     </p:spTree>
+  </p:cSld>
+  <p:clrMapOvr>
+    <a:masterClrMapping/>
+  </p:clrMapOvr>
+</p:sld>
+</file>
+
+<file path=ppt/slides/slide12.xml><?xml version="1.0" encoding="utf-8"?>
+<p:sld xmlns:a="http://schemas.openxmlformats.org/drawingml/2006/main" xmlns:r="http://schemas.openxmlformats.org/officeDocument/2006/relationships" xmlns:p="http://schemas.openxmlformats.org/presentationml/2006/main">
+  <p:cSld>
+    <p:spTree>
+      <p:nvGrpSpPr>
+        <p:cNvPr id="1" name=""/>
+        <p:cNvGrpSpPr/>
+        <p:nvPr/>
+      </p:nvGrpSpPr>
+      <p:grpSpPr>
+        <a:xfrm>
+          <a:off x="0" y="0"/>
+          <a:ext cx="0" cy="0"/>
+          <a:chOff x="0" y="0"/>
+          <a:chExt cx="0" cy="0"/>
+        </a:xfrm>
+      </p:grpSpPr>
+      <p:pic>
+        <p:nvPicPr>
+          <p:cNvPr id="4" name="그림 3"/>
+          <p:cNvPicPr>
+            <a:picLocks noChangeAspect="1"/>
+          </p:cNvPicPr>
+          <p:nvPr/>
+        </p:nvPicPr>
+        <p:blipFill>
+          <a:blip r:embed="rId2">
+            <a:extLst>
+              <a:ext uri="{28A0092B-C50C-407E-A947-70E740481C1C}">
+                <a14:useLocalDpi xmlns:a14="http://schemas.microsoft.com/office/drawing/2010/main" val="0"/>
+              </a:ext>
+            </a:extLst>
+          </a:blip>
+          <a:stretch>
+            <a:fillRect/>
+          </a:stretch>
+        </p:blipFill>
+        <p:spPr>
+          <a:xfrm>
+            <a:off x="946000" y="922672"/>
+            <a:ext cx="3228149" cy="2238497"/>
+          </a:xfrm>
+          <a:prstGeom prst="rect">
+            <a:avLst/>
+          </a:prstGeom>
+        </p:spPr>
+      </p:pic>
+      <p:pic>
+        <p:nvPicPr>
+          <p:cNvPr id="5" name="그림 4"/>
+          <p:cNvPicPr>
+            <a:picLocks noChangeAspect="1"/>
+          </p:cNvPicPr>
+          <p:nvPr/>
+        </p:nvPicPr>
+        <p:blipFill>
+          <a:blip r:embed="rId3">
+            <a:extLst>
+              <a:ext uri="{28A0092B-C50C-407E-A947-70E740481C1C}">
+                <a14:useLocalDpi xmlns:a14="http://schemas.microsoft.com/office/drawing/2010/main" val="0"/>
+              </a:ext>
+            </a:extLst>
+          </a:blip>
+          <a:stretch>
+            <a:fillRect/>
+          </a:stretch>
+        </p:blipFill>
+        <p:spPr>
+          <a:xfrm>
+            <a:off x="4467623" y="922671"/>
+            <a:ext cx="3479492" cy="3522360"/>
+          </a:xfrm>
+          <a:prstGeom prst="rect">
+            <a:avLst/>
+          </a:prstGeom>
+        </p:spPr>
+      </p:pic>
+      <p:sp>
+        <p:nvSpPr>
+          <p:cNvPr id="6" name="TextBox 5"/>
+          <p:cNvSpPr txBox="1"/>
+          <p:nvPr/>
+        </p:nvSpPr>
+        <p:spPr>
+          <a:xfrm>
+            <a:off x="1751803" y="342187"/>
+            <a:ext cx="5094514" cy="415498"/>
+          </a:xfrm>
+          <a:prstGeom prst="rect">
+            <a:avLst/>
+          </a:prstGeom>
+          <a:noFill/>
+        </p:spPr>
+        <p:txBody>
+          <a:bodyPr wrap="square" rtlCol="0">
+            <a:spAutoFit/>
+          </a:bodyPr>
+          <a:lstStyle/>
+          <a:p>
+            <a:r>
+              <a:rPr lang="en-US" altLang="ko-KR" sz="2100" dirty="0"/>
+              <a:t>AWS S3 </a:t>
+            </a:r>
+            <a:r>
+              <a:rPr lang="ko-KR" altLang="en-US" sz="2100" dirty="0" err="1"/>
+              <a:t>버킷</a:t>
+            </a:r>
+            <a:r>
+              <a:rPr lang="ko-KR" altLang="en-US" sz="2100" dirty="0"/>
+              <a:t> 권한 설정</a:t>
+            </a:r>
+            <a:endParaRPr lang="ko-KR" altLang="en-US" sz="2100" dirty="0"/>
+          </a:p>
+        </p:txBody>
+      </p:sp>
+    </p:spTree>
+    <p:extLst>
+      <p:ext uri="{BB962C8B-B14F-4D97-AF65-F5344CB8AC3E}">
+        <p14:creationId xmlns:p14="http://schemas.microsoft.com/office/powerpoint/2010/main" val="2349886915"/>
+      </p:ext>
+    </p:extLst>
+  </p:cSld>
+  <p:clrMapOvr>
+    <a:masterClrMapping/>
+  </p:clrMapOvr>
+</p:sld>
+</file>
+
+<file path=ppt/slides/slide13.xml><?xml version="1.0" encoding="utf-8"?>
+<p:sld xmlns:a="http://schemas.openxmlformats.org/drawingml/2006/main" xmlns:r="http://schemas.openxmlformats.org/officeDocument/2006/relationships" xmlns:p="http://schemas.openxmlformats.org/presentationml/2006/main">
+  <p:cSld>
+    <p:spTree>
+      <p:nvGrpSpPr>
+        <p:cNvPr id="1" name=""/>
+        <p:cNvGrpSpPr/>
+        <p:nvPr/>
+      </p:nvGrpSpPr>
+      <p:grpSpPr>
+        <a:xfrm>
+          <a:off x="0" y="0"/>
+          <a:ext cx="0" cy="0"/>
+          <a:chOff x="0" y="0"/>
+          <a:chExt cx="0" cy="0"/>
+        </a:xfrm>
+      </p:grpSpPr>
+      <p:sp>
+        <p:nvSpPr>
+          <p:cNvPr id="4" name="TextBox 3"/>
+          <p:cNvSpPr txBox="1"/>
+          <p:nvPr/>
+        </p:nvSpPr>
+        <p:spPr>
+          <a:xfrm>
+            <a:off x="1751803" y="342187"/>
+            <a:ext cx="5094514" cy="415498"/>
+          </a:xfrm>
+          <a:prstGeom prst="rect">
+            <a:avLst/>
+          </a:prstGeom>
+          <a:noFill/>
+        </p:spPr>
+        <p:txBody>
+          <a:bodyPr wrap="square" rtlCol="0">
+            <a:spAutoFit/>
+          </a:bodyPr>
+          <a:lstStyle/>
+          <a:p>
+            <a:r>
+              <a:rPr lang="en-US" altLang="ko-KR" sz="2100" dirty="0"/>
+              <a:t>AWS S3 </a:t>
+            </a:r>
+            <a:r>
+              <a:rPr lang="ko-KR" altLang="en-US" sz="2100" dirty="0"/>
+              <a:t>백업 스토리지 구조</a:t>
+            </a:r>
+            <a:endParaRPr lang="ko-KR" altLang="en-US" sz="2100" dirty="0"/>
+          </a:p>
+        </p:txBody>
+      </p:sp>
+      <p:pic>
+        <p:nvPicPr>
+          <p:cNvPr id="5" name="그림 4"/>
+          <p:cNvPicPr>
+            <a:picLocks noChangeAspect="1"/>
+          </p:cNvPicPr>
+          <p:nvPr/>
+        </p:nvPicPr>
+        <p:blipFill>
+          <a:blip r:embed="rId2">
+            <a:extLst>
+              <a:ext uri="{28A0092B-C50C-407E-A947-70E740481C1C}">
+                <a14:useLocalDpi xmlns:a14="http://schemas.microsoft.com/office/drawing/2010/main" val="0"/>
+              </a:ext>
+            </a:extLst>
+          </a:blip>
+          <a:stretch>
+            <a:fillRect/>
+          </a:stretch>
+        </p:blipFill>
+        <p:spPr>
+          <a:xfrm>
+            <a:off x="2248518" y="1254876"/>
+            <a:ext cx="4101085" cy="1586134"/>
+          </a:xfrm>
+          <a:prstGeom prst="rect">
+            <a:avLst/>
+          </a:prstGeom>
+        </p:spPr>
+      </p:pic>
+      <p:pic>
+        <p:nvPicPr>
+          <p:cNvPr id="6" name="그림 5"/>
+          <p:cNvPicPr>
+            <a:picLocks noChangeAspect="1"/>
+          </p:cNvPicPr>
+          <p:nvPr/>
+        </p:nvPicPr>
+        <p:blipFill>
+          <a:blip r:embed="rId3">
+            <a:extLst>
+              <a:ext uri="{28A0092B-C50C-407E-A947-70E740481C1C}">
+                <a14:useLocalDpi xmlns:a14="http://schemas.microsoft.com/office/drawing/2010/main" val="0"/>
+              </a:ext>
+            </a:extLst>
+          </a:blip>
+          <a:stretch>
+            <a:fillRect/>
+          </a:stretch>
+        </p:blipFill>
+        <p:spPr>
+          <a:xfrm>
+            <a:off x="2248518" y="3169668"/>
+            <a:ext cx="3472347" cy="1507542"/>
+          </a:xfrm>
+          <a:prstGeom prst="rect">
+            <a:avLst/>
+          </a:prstGeom>
+        </p:spPr>
+      </p:pic>
+      <p:pic>
+        <p:nvPicPr>
+          <p:cNvPr id="7" name="그림 6"/>
+          <p:cNvPicPr>
+            <a:picLocks noChangeAspect="1"/>
+          </p:cNvPicPr>
+          <p:nvPr/>
+        </p:nvPicPr>
+        <p:blipFill>
+          <a:blip r:embed="rId4">
+            <a:extLst>
+              <a:ext uri="{28A0092B-C50C-407E-A947-70E740481C1C}">
+                <a14:useLocalDpi xmlns:a14="http://schemas.microsoft.com/office/drawing/2010/main" val="0"/>
+              </a:ext>
+            </a:extLst>
+          </a:blip>
+          <a:stretch>
+            <a:fillRect/>
+          </a:stretch>
+        </p:blipFill>
+        <p:spPr>
+          <a:xfrm>
+            <a:off x="1610324" y="2841010"/>
+            <a:ext cx="5079915" cy="328658"/>
+          </a:xfrm>
+          <a:prstGeom prst="rect">
+            <a:avLst/>
+          </a:prstGeom>
+        </p:spPr>
+      </p:pic>
+      <p:pic>
+        <p:nvPicPr>
+          <p:cNvPr id="8" name="그림 7"/>
+          <p:cNvPicPr>
+            <a:picLocks noChangeAspect="1"/>
+          </p:cNvPicPr>
+          <p:nvPr/>
+        </p:nvPicPr>
+        <p:blipFill>
+          <a:blip r:embed="rId5">
+            <a:extLst>
+              <a:ext uri="{28A0092B-C50C-407E-A947-70E740481C1C}">
+                <a14:useLocalDpi xmlns:a14="http://schemas.microsoft.com/office/drawing/2010/main" val="0"/>
+              </a:ext>
+            </a:extLst>
+          </a:blip>
+          <a:stretch>
+            <a:fillRect/>
+          </a:stretch>
+        </p:blipFill>
+        <p:spPr>
+          <a:xfrm>
+            <a:off x="1610324" y="931661"/>
+            <a:ext cx="4858428" cy="321514"/>
+          </a:xfrm>
+          <a:prstGeom prst="rect">
+            <a:avLst/>
+          </a:prstGeom>
+        </p:spPr>
+      </p:pic>
+    </p:spTree>
+    <p:extLst>
+      <p:ext uri="{BB962C8B-B14F-4D97-AF65-F5344CB8AC3E}">
+        <p14:creationId xmlns:p14="http://schemas.microsoft.com/office/powerpoint/2010/main" val="2761216384"/>
+      </p:ext>
+    </p:extLst>
   </p:cSld>
   <p:clrMapOvr>
     <a:masterClrMapping/>
